--- a/Ionic2.pptx
+++ b/Ionic2.pptx
@@ -218,7 +218,7 @@
             <a:fld id="{D2C27654-C3D2-48E1-BF6F-1D7841C66EDD}" type="datetimeFigureOut">
               <a:rPr lang="en-US" smtClean="0"/>
               <a:pPr/>
-              <a:t>10/15/2016</a:t>
+              <a:t>10/18/2016</a:t>
             </a:fld>
             <a:endParaRPr lang="en-US"/>
           </a:p>
@@ -558,7 +558,7 @@
             <a:fld id="{1C295150-4FD7-4802-B0EB-D52217513A72}" type="datetime1">
               <a:rPr lang="en-US" smtClean="0"/>
               <a:pPr/>
-              <a:t>10/15/2016</a:t>
+              <a:t>10/18/2016</a:t>
             </a:fld>
             <a:endParaRPr lang="en-US" dirty="0"/>
           </a:p>
@@ -1183,7 +1183,7 @@
             <a:fld id="{E600D5EF-7D26-425F-8C45-B9312ACE18BC}" type="datetime1">
               <a:rPr lang="en-US" smtClean="0"/>
               <a:pPr/>
-              <a:t>10/15/2016</a:t>
+              <a:t>10/18/2016</a:t>
             </a:fld>
             <a:endParaRPr lang="en-US"/>
           </a:p>
@@ -1348,7 +1348,7 @@
             <a:fld id="{0461895A-832A-4167-BE9B-7448CA062309}" type="datetime1">
               <a:rPr lang="en-US" smtClean="0"/>
               <a:pPr/>
-              <a:t>10/15/2016</a:t>
+              <a:t>10/18/2016</a:t>
             </a:fld>
             <a:endParaRPr lang="en-US"/>
           </a:p>
@@ -1654,7 +1654,7 @@
             <a:fld id="{227571FF-D602-4BB6-9683-7A1E909D4296}" type="datetime1">
               <a:rPr lang="en-US" smtClean="0"/>
               <a:pPr/>
-              <a:t>10/15/2016</a:t>
+              <a:t>10/18/2016</a:t>
             </a:fld>
             <a:endParaRPr lang="en-US"/>
           </a:p>
@@ -1932,7 +1932,7 @@
             <a:fld id="{FC392BEB-5202-498C-89F7-BBD3BEE1B887}" type="datetime1">
               <a:rPr lang="en-US" smtClean="0"/>
               <a:pPr/>
-              <a:t>10/15/2016</a:t>
+              <a:t>10/18/2016</a:t>
             </a:fld>
             <a:endParaRPr lang="en-US"/>
           </a:p>
@@ -2490,7 +2490,7 @@
             <a:fld id="{D242B6C6-10FF-4510-A888-F0B9C6A788B0}" type="datetime1">
               <a:rPr lang="en-US" smtClean="0"/>
               <a:pPr/>
-              <a:t>10/15/2016</a:t>
+              <a:t>10/18/2016</a:t>
             </a:fld>
             <a:endParaRPr lang="en-US"/>
           </a:p>
@@ -2582,7 +2582,7 @@
             <a:fld id="{C2847B31-A4E1-4FCE-8661-5EC33A675437}" type="datetime1">
               <a:rPr lang="en-US" smtClean="0"/>
               <a:pPr/>
-              <a:t>10/15/2016</a:t>
+              <a:t>10/18/2016</a:t>
             </a:fld>
             <a:endParaRPr lang="en-US"/>
           </a:p>
@@ -2947,7 +2947,7 @@
             <a:fld id="{C2847B31-A4E1-4FCE-8661-5EC33A675437}" type="datetime1">
               <a:rPr lang="en-US" smtClean="0"/>
               <a:pPr/>
-              <a:t>10/15/2016</a:t>
+              <a:t>10/18/2016</a:t>
             </a:fld>
             <a:endParaRPr lang="en-US"/>
           </a:p>
@@ -3655,7 +3655,7 @@
             <a:fld id="{7CAD832D-B7F8-4A85-B115-3F84BE9AC26D}" type="datetime1">
               <a:rPr lang="en-US" smtClean="0"/>
               <a:pPr/>
-              <a:t>10/15/2016</a:t>
+              <a:t>10/18/2016</a:t>
             </a:fld>
             <a:endParaRPr lang="en-US"/>
           </a:p>
@@ -3900,7 +3900,7 @@
             <a:fld id="{E10B34F3-05F7-41C1-B84E-68CE2E00C83C}" type="datetime1">
               <a:rPr lang="en-US" smtClean="0"/>
               <a:pPr/>
-              <a:t>10/15/2016</a:t>
+              <a:t>10/18/2016</a:t>
             </a:fld>
             <a:endParaRPr lang="en-US"/>
           </a:p>
@@ -4122,7 +4122,7 @@
             <a:fld id="{B8D47F82-2B2E-4837-B3AB-C94C672FBECB}" type="datetime1">
               <a:rPr lang="en-US" smtClean="0"/>
               <a:pPr/>
-              <a:t>10/15/2016</a:t>
+              <a:t>10/18/2016</a:t>
             </a:fld>
             <a:endParaRPr lang="en-US"/>
           </a:p>
@@ -4397,7 +4397,7 @@
             <a:fld id="{81E57738-F4B0-48EA-9B71-E0F723F8BF6C}" type="datetime1">
               <a:rPr lang="en-US" smtClean="0"/>
               <a:pPr/>
-              <a:t>10/15/2016</a:t>
+              <a:t>10/18/2016</a:t>
             </a:fld>
             <a:endParaRPr lang="en-US"/>
           </a:p>
@@ -4667,7 +4667,7 @@
             <a:fld id="{F1909345-DEE0-4B07-8E32-441AC9DA095E}" type="datetime1">
               <a:rPr lang="en-US" smtClean="0"/>
               <a:pPr/>
-              <a:t>10/15/2016</a:t>
+              <a:t>10/18/2016</a:t>
             </a:fld>
             <a:endParaRPr lang="en-US" dirty="0"/>
           </a:p>
@@ -6487,7 +6487,7 @@
         <p:spPr/>
         <p:txBody>
           <a:bodyPr>
-            <a:normAutofit fontScale="92500" lnSpcReduction="10000"/>
+            <a:normAutofit fontScale="77500" lnSpcReduction="20000"/>
           </a:bodyPr>
           <a:lstStyle/>
           <a:p>
@@ -6514,6 +6514,26 @@
             <a:r>
               <a:rPr lang="en-US" dirty="0"/>
               <a:t>Use chrome://inspect/#devices</a:t>
+            </a:r>
+          </a:p>
+          <a:p>
+            <a:r>
+              <a:rPr lang="en-US" dirty="0"/>
+              <a:t>AVOID </a:t>
+            </a:r>
+            <a:r>
+              <a:rPr lang="en-US" dirty="0" err="1"/>
+              <a:t>Hammerjs</a:t>
+            </a:r>
+            <a:r>
+              <a:rPr lang="en-US" dirty="0"/>
+              <a:t> gestures on scrollable views</a:t>
+            </a:r>
+          </a:p>
+          <a:p>
+            <a:r>
+              <a:rPr lang="en-US" dirty="0"/>
+              <a:t>Images: Do not use ‘/images/’, use ‘images/’</a:t>
             </a:r>
           </a:p>
           <a:p>

--- a/Ionic2.pptx
+++ b/Ionic2.pptx
@@ -218,7 +218,7 @@
             <a:fld id="{D2C27654-C3D2-48E1-BF6F-1D7841C66EDD}" type="datetimeFigureOut">
               <a:rPr lang="en-US" smtClean="0"/>
               <a:pPr/>
-              <a:t>10/18/2016</a:t>
+              <a:t>10/20/2016</a:t>
             </a:fld>
             <a:endParaRPr lang="en-US"/>
           </a:p>
@@ -558,7 +558,7 @@
             <a:fld id="{1C295150-4FD7-4802-B0EB-D52217513A72}" type="datetime1">
               <a:rPr lang="en-US" smtClean="0"/>
               <a:pPr/>
-              <a:t>10/18/2016</a:t>
+              <a:t>10/20/2016</a:t>
             </a:fld>
             <a:endParaRPr lang="en-US" dirty="0"/>
           </a:p>
@@ -1183,7 +1183,7 @@
             <a:fld id="{E600D5EF-7D26-425F-8C45-B9312ACE18BC}" type="datetime1">
               <a:rPr lang="en-US" smtClean="0"/>
               <a:pPr/>
-              <a:t>10/18/2016</a:t>
+              <a:t>10/20/2016</a:t>
             </a:fld>
             <a:endParaRPr lang="en-US"/>
           </a:p>
@@ -1348,7 +1348,7 @@
             <a:fld id="{0461895A-832A-4167-BE9B-7448CA062309}" type="datetime1">
               <a:rPr lang="en-US" smtClean="0"/>
               <a:pPr/>
-              <a:t>10/18/2016</a:t>
+              <a:t>10/20/2016</a:t>
             </a:fld>
             <a:endParaRPr lang="en-US"/>
           </a:p>
@@ -1654,7 +1654,7 @@
             <a:fld id="{227571FF-D602-4BB6-9683-7A1E909D4296}" type="datetime1">
               <a:rPr lang="en-US" smtClean="0"/>
               <a:pPr/>
-              <a:t>10/18/2016</a:t>
+              <a:t>10/20/2016</a:t>
             </a:fld>
             <a:endParaRPr lang="en-US"/>
           </a:p>
@@ -1932,7 +1932,7 @@
             <a:fld id="{FC392BEB-5202-498C-89F7-BBD3BEE1B887}" type="datetime1">
               <a:rPr lang="en-US" smtClean="0"/>
               <a:pPr/>
-              <a:t>10/18/2016</a:t>
+              <a:t>10/20/2016</a:t>
             </a:fld>
             <a:endParaRPr lang="en-US"/>
           </a:p>
@@ -2490,7 +2490,7 @@
             <a:fld id="{D242B6C6-10FF-4510-A888-F0B9C6A788B0}" type="datetime1">
               <a:rPr lang="en-US" smtClean="0"/>
               <a:pPr/>
-              <a:t>10/18/2016</a:t>
+              <a:t>10/20/2016</a:t>
             </a:fld>
             <a:endParaRPr lang="en-US"/>
           </a:p>
@@ -2582,7 +2582,7 @@
             <a:fld id="{C2847B31-A4E1-4FCE-8661-5EC33A675437}" type="datetime1">
               <a:rPr lang="en-US" smtClean="0"/>
               <a:pPr/>
-              <a:t>10/18/2016</a:t>
+              <a:t>10/20/2016</a:t>
             </a:fld>
             <a:endParaRPr lang="en-US"/>
           </a:p>
@@ -2947,7 +2947,7 @@
             <a:fld id="{C2847B31-A4E1-4FCE-8661-5EC33A675437}" type="datetime1">
               <a:rPr lang="en-US" smtClean="0"/>
               <a:pPr/>
-              <a:t>10/18/2016</a:t>
+              <a:t>10/20/2016</a:t>
             </a:fld>
             <a:endParaRPr lang="en-US"/>
           </a:p>
@@ -3655,7 +3655,7 @@
             <a:fld id="{7CAD832D-B7F8-4A85-B115-3F84BE9AC26D}" type="datetime1">
               <a:rPr lang="en-US" smtClean="0"/>
               <a:pPr/>
-              <a:t>10/18/2016</a:t>
+              <a:t>10/20/2016</a:t>
             </a:fld>
             <a:endParaRPr lang="en-US"/>
           </a:p>
@@ -3900,7 +3900,7 @@
             <a:fld id="{E10B34F3-05F7-41C1-B84E-68CE2E00C83C}" type="datetime1">
               <a:rPr lang="en-US" smtClean="0"/>
               <a:pPr/>
-              <a:t>10/18/2016</a:t>
+              <a:t>10/20/2016</a:t>
             </a:fld>
             <a:endParaRPr lang="en-US"/>
           </a:p>
@@ -4122,7 +4122,7 @@
             <a:fld id="{B8D47F82-2B2E-4837-B3AB-C94C672FBECB}" type="datetime1">
               <a:rPr lang="en-US" smtClean="0"/>
               <a:pPr/>
-              <a:t>10/18/2016</a:t>
+              <a:t>10/20/2016</a:t>
             </a:fld>
             <a:endParaRPr lang="en-US"/>
           </a:p>
@@ -4397,7 +4397,7 @@
             <a:fld id="{81E57738-F4B0-48EA-9B71-E0F723F8BF6C}" type="datetime1">
               <a:rPr lang="en-US" smtClean="0"/>
               <a:pPr/>
-              <a:t>10/18/2016</a:t>
+              <a:t>10/20/2016</a:t>
             </a:fld>
             <a:endParaRPr lang="en-US"/>
           </a:p>
@@ -4667,7 +4667,7 @@
             <a:fld id="{F1909345-DEE0-4B07-8E32-441AC9DA095E}" type="datetime1">
               <a:rPr lang="en-US" smtClean="0"/>
               <a:pPr/>
-              <a:t>10/18/2016</a:t>
+              <a:t>10/20/2016</a:t>
             </a:fld>
             <a:endParaRPr lang="en-US" dirty="0"/>
           </a:p>
@@ -6355,7 +6355,7 @@
         <p:spPr/>
         <p:txBody>
           <a:bodyPr>
-            <a:normAutofit fontScale="92500"/>
+            <a:normAutofit fontScale="92500" lnSpcReduction="20000"/>
           </a:bodyPr>
           <a:lstStyle/>
           <a:p>
@@ -6416,6 +6416,31 @@
               <a:rPr lang="en-US" dirty="0"/>
               <a:t>Stage 06: Implement Menu with About Page</a:t>
             </a:r>
+          </a:p>
+          <a:p>
+            <a:r>
+              <a:rPr lang="en-US" dirty="0"/>
+              <a:t>Stage 07: Visual Improvements</a:t>
+            </a:r>
+          </a:p>
+          <a:p>
+            <a:r>
+              <a:rPr lang="en-US" dirty="0"/>
+              <a:t>Stage 08: </a:t>
+            </a:r>
+            <a:r>
+              <a:rPr lang="en-US" dirty="0" err="1"/>
+              <a:t>Transclusion</a:t>
+            </a:r>
+            <a:r>
+              <a:rPr lang="en-US" dirty="0"/>
+              <a:t> (</a:t>
+            </a:r>
+            <a:r>
+              <a:rPr lang="en-US"/>
+              <a:t>Content Projection)</a:t>
+            </a:r>
+            <a:endParaRPr lang="en-US" dirty="0"/>
           </a:p>
           <a:p>
             <a:endParaRPr lang="en-US" dirty="0"/>
@@ -7192,6 +7217,12 @@
 </file>
 
 <file path=customXml/item2.xml><?xml version="1.0" encoding="utf-8"?>
+<p:properties xmlns:p="http://schemas.microsoft.com/office/2006/metadata/properties" xmlns:xsi="http://www.w3.org/2001/XMLSchema-instance" xmlns:pc="http://schemas.microsoft.com/office/infopath/2007/PartnerControls">
+  <documentManagement/>
+</p:properties>
+</file>
+
+<file path=customXml/item3.xml><?xml version="1.0" encoding="utf-8"?>
 <ct:contentTypeSchema xmlns:ct="http://schemas.microsoft.com/office/2006/metadata/contentType" xmlns:ma="http://schemas.microsoft.com/office/2006/metadata/properties/metaAttributes" ct:_="" ma:_="" ma:contentTypeName="Document" ma:contentTypeID="0x01010021BEE61F95A5EB42B9FCE046A4B81553" ma:contentTypeVersion="0" ma:contentTypeDescription="Create a new document." ma:contentTypeScope="" ma:versionID="da98228cf43641d4321e4ed520e1925b">
   <xsd:schema xmlns:xsd="http://www.w3.org/2001/XMLSchema" xmlns:xs="http://www.w3.org/2001/XMLSchema" xmlns:p="http://schemas.microsoft.com/office/2006/metadata/properties" targetNamespace="http://schemas.microsoft.com/office/2006/metadata/properties" ma:root="true" ma:fieldsID="d3a5d1f8817a06b971333018a2905df1">
     <xsd:element name="properties">
@@ -7305,12 +7336,6 @@
 </ct:contentTypeSchema>
 </file>
 
-<file path=customXml/item3.xml><?xml version="1.0" encoding="utf-8"?>
-<p:properties xmlns:p="http://schemas.microsoft.com/office/2006/metadata/properties" xmlns:xsi="http://www.w3.org/2001/XMLSchema-instance" xmlns:pc="http://schemas.microsoft.com/office/infopath/2007/PartnerControls">
-  <documentManagement/>
-</p:properties>
-</file>
-
 <file path=customXml/itemProps1.xml><?xml version="1.0" encoding="utf-8"?>
 <ds:datastoreItem xmlns:ds="http://schemas.openxmlformats.org/officeDocument/2006/customXml" ds:itemID="{F8A575A5-787F-4BAF-BF3A-7FCF8D96C1F5}">
   <ds:schemaRefs>
@@ -7320,6 +7345,21 @@
 </file>
 
 <file path=customXml/itemProps2.xml><?xml version="1.0" encoding="utf-8"?>
+<ds:datastoreItem xmlns:ds="http://schemas.openxmlformats.org/officeDocument/2006/customXml" ds:itemID="{4FEC3F43-2936-4481-AF7B-6CB33A4D4BB9}">
+  <ds:schemaRefs>
+    <ds:schemaRef ds:uri="http://purl.org/dc/terms/"/>
+    <ds:schemaRef ds:uri="http://schemas.openxmlformats.org/package/2006/metadata/core-properties"/>
+    <ds:schemaRef ds:uri="http://schemas.microsoft.com/office/2006/documentManagement/types"/>
+    <ds:schemaRef ds:uri="http://schemas.microsoft.com/office/infopath/2007/PartnerControls"/>
+    <ds:schemaRef ds:uri="http://purl.org/dc/elements/1.1/"/>
+    <ds:schemaRef ds:uri="http://schemas.microsoft.com/office/2006/metadata/properties"/>
+    <ds:schemaRef ds:uri="http://www.w3.org/XML/1998/namespace"/>
+    <ds:schemaRef ds:uri="http://purl.org/dc/dcmitype/"/>
+  </ds:schemaRefs>
+</ds:datastoreItem>
+</file>
+
+<file path=customXml/itemProps3.xml><?xml version="1.0" encoding="utf-8"?>
 <ds:datastoreItem xmlns:ds="http://schemas.openxmlformats.org/officeDocument/2006/customXml" ds:itemID="{7A098B9D-D11E-40E7-938A-F4843B959A46}">
   <ds:schemaRefs>
     <ds:schemaRef ds:uri="http://schemas.microsoft.com/office/2006/metadata/contentType"/>
@@ -7333,19 +7373,4 @@
     <ds:schemaRef ds:uri="http://schemas.microsoft.com/office/infopath/2007/PartnerControls"/>
   </ds:schemaRefs>
 </ds:datastoreItem>
-</file>
-
-<file path=customXml/itemProps3.xml><?xml version="1.0" encoding="utf-8"?>
-<ds:datastoreItem xmlns:ds="http://schemas.openxmlformats.org/officeDocument/2006/customXml" ds:itemID="{4FEC3F43-2936-4481-AF7B-6CB33A4D4BB9}">
-  <ds:schemaRefs>
-    <ds:schemaRef ds:uri="http://purl.org/dc/terms/"/>
-    <ds:schemaRef ds:uri="http://schemas.openxmlformats.org/package/2006/metadata/core-properties"/>
-    <ds:schemaRef ds:uri="http://schemas.microsoft.com/office/2006/documentManagement/types"/>
-    <ds:schemaRef ds:uri="http://schemas.microsoft.com/office/infopath/2007/PartnerControls"/>
-    <ds:schemaRef ds:uri="http://purl.org/dc/elements/1.1/"/>
-    <ds:schemaRef ds:uri="http://schemas.microsoft.com/office/2006/metadata/properties"/>
-    <ds:schemaRef ds:uri="http://www.w3.org/XML/1998/namespace"/>
-    <ds:schemaRef ds:uri="http://purl.org/dc/dcmitype/"/>
-  </ds:schemaRefs>
-</ds:datastoreItem>
 </file>
--- a/Ionic2.pptx
+++ b/Ionic2.pptx
@@ -218,7 +218,7 @@
             <a:fld id="{D2C27654-C3D2-48E1-BF6F-1D7841C66EDD}" type="datetimeFigureOut">
               <a:rPr lang="en-US" smtClean="0"/>
               <a:pPr/>
-              <a:t>10/20/2016</a:t>
+              <a:t>10/21/2016</a:t>
             </a:fld>
             <a:endParaRPr lang="en-US"/>
           </a:p>
@@ -558,7 +558,7 @@
             <a:fld id="{1C295150-4FD7-4802-B0EB-D52217513A72}" type="datetime1">
               <a:rPr lang="en-US" smtClean="0"/>
               <a:pPr/>
-              <a:t>10/20/2016</a:t>
+              <a:t>10/21/2016</a:t>
             </a:fld>
             <a:endParaRPr lang="en-US" dirty="0"/>
           </a:p>
@@ -1183,7 +1183,7 @@
             <a:fld id="{E600D5EF-7D26-425F-8C45-B9312ACE18BC}" type="datetime1">
               <a:rPr lang="en-US" smtClean="0"/>
               <a:pPr/>
-              <a:t>10/20/2016</a:t>
+              <a:t>10/21/2016</a:t>
             </a:fld>
             <a:endParaRPr lang="en-US"/>
           </a:p>
@@ -1348,7 +1348,7 @@
             <a:fld id="{0461895A-832A-4167-BE9B-7448CA062309}" type="datetime1">
               <a:rPr lang="en-US" smtClean="0"/>
               <a:pPr/>
-              <a:t>10/20/2016</a:t>
+              <a:t>10/21/2016</a:t>
             </a:fld>
             <a:endParaRPr lang="en-US"/>
           </a:p>
@@ -1654,7 +1654,7 @@
             <a:fld id="{227571FF-D602-4BB6-9683-7A1E909D4296}" type="datetime1">
               <a:rPr lang="en-US" smtClean="0"/>
               <a:pPr/>
-              <a:t>10/20/2016</a:t>
+              <a:t>10/21/2016</a:t>
             </a:fld>
             <a:endParaRPr lang="en-US"/>
           </a:p>
@@ -1932,7 +1932,7 @@
             <a:fld id="{FC392BEB-5202-498C-89F7-BBD3BEE1B887}" type="datetime1">
               <a:rPr lang="en-US" smtClean="0"/>
               <a:pPr/>
-              <a:t>10/20/2016</a:t>
+              <a:t>10/21/2016</a:t>
             </a:fld>
             <a:endParaRPr lang="en-US"/>
           </a:p>
@@ -2490,7 +2490,7 @@
             <a:fld id="{D242B6C6-10FF-4510-A888-F0B9C6A788B0}" type="datetime1">
               <a:rPr lang="en-US" smtClean="0"/>
               <a:pPr/>
-              <a:t>10/20/2016</a:t>
+              <a:t>10/21/2016</a:t>
             </a:fld>
             <a:endParaRPr lang="en-US"/>
           </a:p>
@@ -2582,7 +2582,7 @@
             <a:fld id="{C2847B31-A4E1-4FCE-8661-5EC33A675437}" type="datetime1">
               <a:rPr lang="en-US" smtClean="0"/>
               <a:pPr/>
-              <a:t>10/20/2016</a:t>
+              <a:t>10/21/2016</a:t>
             </a:fld>
             <a:endParaRPr lang="en-US"/>
           </a:p>
@@ -2947,7 +2947,7 @@
             <a:fld id="{C2847B31-A4E1-4FCE-8661-5EC33A675437}" type="datetime1">
               <a:rPr lang="en-US" smtClean="0"/>
               <a:pPr/>
-              <a:t>10/20/2016</a:t>
+              <a:t>10/21/2016</a:t>
             </a:fld>
             <a:endParaRPr lang="en-US"/>
           </a:p>
@@ -3655,7 +3655,7 @@
             <a:fld id="{7CAD832D-B7F8-4A85-B115-3F84BE9AC26D}" type="datetime1">
               <a:rPr lang="en-US" smtClean="0"/>
               <a:pPr/>
-              <a:t>10/20/2016</a:t>
+              <a:t>10/21/2016</a:t>
             </a:fld>
             <a:endParaRPr lang="en-US"/>
           </a:p>
@@ -3900,7 +3900,7 @@
             <a:fld id="{E10B34F3-05F7-41C1-B84E-68CE2E00C83C}" type="datetime1">
               <a:rPr lang="en-US" smtClean="0"/>
               <a:pPr/>
-              <a:t>10/20/2016</a:t>
+              <a:t>10/21/2016</a:t>
             </a:fld>
             <a:endParaRPr lang="en-US"/>
           </a:p>
@@ -4122,7 +4122,7 @@
             <a:fld id="{B8D47F82-2B2E-4837-B3AB-C94C672FBECB}" type="datetime1">
               <a:rPr lang="en-US" smtClean="0"/>
               <a:pPr/>
-              <a:t>10/20/2016</a:t>
+              <a:t>10/21/2016</a:t>
             </a:fld>
             <a:endParaRPr lang="en-US"/>
           </a:p>
@@ -4397,7 +4397,7 @@
             <a:fld id="{81E57738-F4B0-48EA-9B71-E0F723F8BF6C}" type="datetime1">
               <a:rPr lang="en-US" smtClean="0"/>
               <a:pPr/>
-              <a:t>10/20/2016</a:t>
+              <a:t>10/21/2016</a:t>
             </a:fld>
             <a:endParaRPr lang="en-US"/>
           </a:p>
@@ -4667,7 +4667,7 @@
             <a:fld id="{F1909345-DEE0-4B07-8E32-441AC9DA095E}" type="datetime1">
               <a:rPr lang="en-US" smtClean="0"/>
               <a:pPr/>
-              <a:t>10/20/2016</a:t>
+              <a:t>10/21/2016</a:t>
             </a:fld>
             <a:endParaRPr lang="en-US" dirty="0"/>
           </a:p>
@@ -5183,13 +5183,22 @@
         <p:spPr/>
         <p:txBody>
           <a:bodyPr>
-            <a:normAutofit fontScale="92500" lnSpcReduction="20000"/>
+            <a:normAutofit fontScale="62500" lnSpcReduction="20000"/>
           </a:bodyPr>
           <a:lstStyle/>
           <a:p>
             <a:r>
               <a:rPr lang="en-US" dirty="0"/>
               <a:t>Hands on Project</a:t>
+            </a:r>
+          </a:p>
+          <a:p>
+            <a:endParaRPr lang="en-US" dirty="0"/>
+          </a:p>
+          <a:p>
+            <a:r>
+              <a:rPr lang="en-US" dirty="0"/>
+              <a:t>https://github.com/rfornal-ssi/ionic2-artemis-01</a:t>
             </a:r>
           </a:p>
           <a:p>
@@ -7217,12 +7226,6 @@
 </file>
 
 <file path=customXml/item2.xml><?xml version="1.0" encoding="utf-8"?>
-<p:properties xmlns:p="http://schemas.microsoft.com/office/2006/metadata/properties" xmlns:xsi="http://www.w3.org/2001/XMLSchema-instance" xmlns:pc="http://schemas.microsoft.com/office/infopath/2007/PartnerControls">
-  <documentManagement/>
-</p:properties>
-</file>
-
-<file path=customXml/item3.xml><?xml version="1.0" encoding="utf-8"?>
 <ct:contentTypeSchema xmlns:ct="http://schemas.microsoft.com/office/2006/metadata/contentType" xmlns:ma="http://schemas.microsoft.com/office/2006/metadata/properties/metaAttributes" ct:_="" ma:_="" ma:contentTypeName="Document" ma:contentTypeID="0x01010021BEE61F95A5EB42B9FCE046A4B81553" ma:contentTypeVersion="0" ma:contentTypeDescription="Create a new document." ma:contentTypeScope="" ma:versionID="da98228cf43641d4321e4ed520e1925b">
   <xsd:schema xmlns:xsd="http://www.w3.org/2001/XMLSchema" xmlns:xs="http://www.w3.org/2001/XMLSchema" xmlns:p="http://schemas.microsoft.com/office/2006/metadata/properties" targetNamespace="http://schemas.microsoft.com/office/2006/metadata/properties" ma:root="true" ma:fieldsID="d3a5d1f8817a06b971333018a2905df1">
     <xsd:element name="properties">
@@ -7336,6 +7339,12 @@
 </ct:contentTypeSchema>
 </file>
 
+<file path=customXml/item3.xml><?xml version="1.0" encoding="utf-8"?>
+<p:properties xmlns:p="http://schemas.microsoft.com/office/2006/metadata/properties" xmlns:xsi="http://www.w3.org/2001/XMLSchema-instance" xmlns:pc="http://schemas.microsoft.com/office/infopath/2007/PartnerControls">
+  <documentManagement/>
+</p:properties>
+</file>
+
 <file path=customXml/itemProps1.xml><?xml version="1.0" encoding="utf-8"?>
 <ds:datastoreItem xmlns:ds="http://schemas.openxmlformats.org/officeDocument/2006/customXml" ds:itemID="{F8A575A5-787F-4BAF-BF3A-7FCF8D96C1F5}">
   <ds:schemaRefs>
@@ -7345,21 +7354,6 @@
 </file>
 
 <file path=customXml/itemProps2.xml><?xml version="1.0" encoding="utf-8"?>
-<ds:datastoreItem xmlns:ds="http://schemas.openxmlformats.org/officeDocument/2006/customXml" ds:itemID="{4FEC3F43-2936-4481-AF7B-6CB33A4D4BB9}">
-  <ds:schemaRefs>
-    <ds:schemaRef ds:uri="http://purl.org/dc/terms/"/>
-    <ds:schemaRef ds:uri="http://schemas.openxmlformats.org/package/2006/metadata/core-properties"/>
-    <ds:schemaRef ds:uri="http://schemas.microsoft.com/office/2006/documentManagement/types"/>
-    <ds:schemaRef ds:uri="http://schemas.microsoft.com/office/infopath/2007/PartnerControls"/>
-    <ds:schemaRef ds:uri="http://purl.org/dc/elements/1.1/"/>
-    <ds:schemaRef ds:uri="http://schemas.microsoft.com/office/2006/metadata/properties"/>
-    <ds:schemaRef ds:uri="http://www.w3.org/XML/1998/namespace"/>
-    <ds:schemaRef ds:uri="http://purl.org/dc/dcmitype/"/>
-  </ds:schemaRefs>
-</ds:datastoreItem>
-</file>
-
-<file path=customXml/itemProps3.xml><?xml version="1.0" encoding="utf-8"?>
 <ds:datastoreItem xmlns:ds="http://schemas.openxmlformats.org/officeDocument/2006/customXml" ds:itemID="{7A098B9D-D11E-40E7-938A-F4843B959A46}">
   <ds:schemaRefs>
     <ds:schemaRef ds:uri="http://schemas.microsoft.com/office/2006/metadata/contentType"/>
@@ -7373,4 +7367,19 @@
     <ds:schemaRef ds:uri="http://schemas.microsoft.com/office/infopath/2007/PartnerControls"/>
   </ds:schemaRefs>
 </ds:datastoreItem>
+</file>
+
+<file path=customXml/itemProps3.xml><?xml version="1.0" encoding="utf-8"?>
+<ds:datastoreItem xmlns:ds="http://schemas.openxmlformats.org/officeDocument/2006/customXml" ds:itemID="{4FEC3F43-2936-4481-AF7B-6CB33A4D4BB9}">
+  <ds:schemaRefs>
+    <ds:schemaRef ds:uri="http://purl.org/dc/terms/"/>
+    <ds:schemaRef ds:uri="http://schemas.openxmlformats.org/package/2006/metadata/core-properties"/>
+    <ds:schemaRef ds:uri="http://schemas.microsoft.com/office/2006/documentManagement/types"/>
+    <ds:schemaRef ds:uri="http://schemas.microsoft.com/office/infopath/2007/PartnerControls"/>
+    <ds:schemaRef ds:uri="http://purl.org/dc/elements/1.1/"/>
+    <ds:schemaRef ds:uri="http://schemas.microsoft.com/office/2006/metadata/properties"/>
+    <ds:schemaRef ds:uri="http://www.w3.org/XML/1998/namespace"/>
+    <ds:schemaRef ds:uri="http://purl.org/dc/dcmitype/"/>
+  </ds:schemaRefs>
+</ds:datastoreItem>
 </file>